--- a/ML im Service.pptx
+++ b/ML im Service.pptx
@@ -5,36 +5,37 @@
     <p:sldMasterId id="2147483690" r:id="rId5"/>
   </p:sldMasterIdLst>
   <p:notesMasterIdLst>
-    <p:notesMasterId r:id="rId7"/>
+    <p:notesMasterId r:id="rId8"/>
   </p:notesMasterIdLst>
   <p:handoutMasterIdLst>
-    <p:handoutMasterId r:id="rId8"/>
+    <p:handoutMasterId r:id="rId9"/>
   </p:handoutMasterIdLst>
   <p:sldIdLst>
     <p:sldId id="553" r:id="rId6"/>
+    <p:sldId id="554" r:id="rId7"/>
   </p:sldIdLst>
   <p:sldSz cx="11522075" cy="6480175"/>
   <p:notesSz cx="6884988" cy="10018713"/>
   <p:embeddedFontLst>
     <p:embeddedFont>
       <p:font typeface="TeleGrotesk Headline Ultra" pitchFamily="2" charset="0"/>
-      <p:bold r:id="rId9"/>
+      <p:bold r:id="rId10"/>
     </p:embeddedFont>
     <p:embeddedFont>
       <p:font typeface="Tele-GroteskUlt" pitchFamily="2" charset="0"/>
-      <p:regular r:id="rId10"/>
+      <p:regular r:id="rId11"/>
     </p:embeddedFont>
     <p:embeddedFont>
       <p:font typeface="Tele-GroteskNor" pitchFamily="2" charset="0"/>
-      <p:regular r:id="rId11"/>
+      <p:regular r:id="rId12"/>
     </p:embeddedFont>
     <p:embeddedFont>
       <p:font typeface="TeleGrotesk Headline" pitchFamily="2" charset="0"/>
-      <p:regular r:id="rId12"/>
+      <p:regular r:id="rId13"/>
     </p:embeddedFont>
   </p:embeddedFontLst>
   <p:custDataLst>
-    <p:tags r:id="rId13"/>
+    <p:tags r:id="rId14"/>
   </p:custDataLst>
   <p:defaultTextStyle>
     <a:defPPr>
@@ -133,7 +134,7 @@
   </p:defaultTextStyle>
   <p:extLst>
     <p:ext uri="{EFAFB233-063F-42B5-8137-9DF3F51BA10A}">
-      <p15:sldGuideLst xmlns:p15="http://schemas.microsoft.com/office/powerpoint/2012/main" xmlns="">
+      <p15:sldGuideLst xmlns="" xmlns:p15="http://schemas.microsoft.com/office/powerpoint/2012/main">
         <p15:guide id="15" pos="7053">
           <p15:clr>
             <a:srgbClr val="A4A3A4"/>
@@ -292,7 +293,7 @@
           <a:p>
             <a:fld id="{511CF5CA-139E-42DC-B08A-4D6C955FFB57}" type="datetimeFigureOut">
               <a:rPr lang="de-DE" smtClean="0"/>
-              <a:t>19.04.2018</a:t>
+              <a:t>20.04.2018</a:t>
             </a:fld>
             <a:endParaRPr lang="de-DE"/>
           </a:p>
@@ -457,7 +458,7 @@
           <a:p>
             <a:fld id="{40904737-FB8D-49E1-AE27-FD70F21DCE49}" type="datetimeFigureOut">
               <a:rPr lang="de-DE" smtClean="0"/>
-              <a:t>19.04.2018</a:t>
+              <a:t>20.04.2018</a:t>
             </a:fld>
             <a:endParaRPr lang="de-DE" dirty="0"/>
           </a:p>
@@ -1866,7 +1867,7 @@
   </p:txStyles>
   <p:extLst mod="1">
     <p:ext uri="{27BBF7A9-308A-43DC-89C8-2F10F3537804}">
-      <p15:sldGuideLst xmlns:p15="http://schemas.microsoft.com/office/powerpoint/2012/main" xmlns="">
+      <p15:sldGuideLst xmlns="" xmlns:p15="http://schemas.microsoft.com/office/powerpoint/2012/main">
         <p15:guide id="1" orient="horz" pos="822" userDrawn="1">
           <p15:clr>
             <a:srgbClr val="F26B43"/>
@@ -2736,6 +2737,216 @@
       <p:transition p14:dur="0"/>
     </mc:Choice>
     <mc:Fallback xmlns="">
+      <p:transition/>
+    </mc:Fallback>
+  </mc:AlternateContent>
+  <p:timing>
+    <p:tnLst>
+      <p:par>
+        <p:cTn id="1" dur="indefinite" restart="never" nodeType="tmRoot"/>
+      </p:par>
+    </p:tnLst>
+  </p:timing>
+</p:sld>
+</file>
+
+<file path=ppt/slides/slide2.xml><?xml version="1.0" encoding="utf-8"?>
+<p:sld xmlns:a="http://schemas.openxmlformats.org/drawingml/2006/main" xmlns:r="http://schemas.openxmlformats.org/officeDocument/2006/relationships" xmlns:p="http://schemas.openxmlformats.org/presentationml/2006/main">
+  <p:cSld>
+    <p:spTree>
+      <p:nvGrpSpPr>
+        <p:cNvPr id="1" name=""/>
+        <p:cNvGrpSpPr/>
+        <p:nvPr/>
+      </p:nvGrpSpPr>
+      <p:grpSpPr>
+        <a:xfrm>
+          <a:off x="0" y="0"/>
+          <a:ext cx="0" cy="0"/>
+          <a:chOff x="0" y="0"/>
+          <a:chExt cx="0" cy="0"/>
+        </a:xfrm>
+      </p:grpSpPr>
+      <p:sp>
+        <p:nvSpPr>
+          <p:cNvPr id="2" name="Foliennummernplatzhalter 1"/>
+          <p:cNvSpPr>
+            <a:spLocks noGrp="1"/>
+          </p:cNvSpPr>
+          <p:nvPr>
+            <p:ph type="sldNum" sz="quarter" idx="17"/>
+          </p:nvPr>
+        </p:nvSpPr>
+        <p:spPr/>
+        <p:txBody>
+          <a:bodyPr/>
+          <a:lstStyle/>
+          <a:p>
+            <a:fld id="{6E5C9075-CD2F-413E-BE72-CDEDF17694E4}" type="slidenum">
+              <a:rPr lang="de-DE" smtClean="0"/>
+              <a:pPr/>
+              <a:t>2</a:t>
+            </a:fld>
+            <a:endParaRPr lang="de-DE" dirty="0"/>
+          </a:p>
+        </p:txBody>
+      </p:sp>
+      <p:sp>
+        <p:nvSpPr>
+          <p:cNvPr id="3" name="Datumsplatzhalter 2"/>
+          <p:cNvSpPr>
+            <a:spLocks noGrp="1"/>
+          </p:cNvSpPr>
+          <p:nvPr>
+            <p:ph type="dt" sz="half" idx="18"/>
+          </p:nvPr>
+        </p:nvSpPr>
+        <p:spPr/>
+        <p:txBody>
+          <a:bodyPr/>
+          <a:lstStyle/>
+          <a:p>
+            <a:r>
+              <a:rPr lang="de-DE" smtClean="0"/>
+              <a:t>tt.mm.jjjj</a:t>
+            </a:r>
+            <a:endParaRPr lang="de-DE" dirty="0"/>
+          </a:p>
+        </p:txBody>
+      </p:sp>
+      <p:sp>
+        <p:nvSpPr>
+          <p:cNvPr id="4" name="Fußzeilenplatzhalter 3"/>
+          <p:cNvSpPr>
+            <a:spLocks noGrp="1"/>
+          </p:cNvSpPr>
+          <p:nvPr>
+            <p:ph type="ftr" sz="quarter" idx="16"/>
+          </p:nvPr>
+        </p:nvSpPr>
+        <p:spPr/>
+        <p:txBody>
+          <a:bodyPr/>
+          <a:lstStyle/>
+          <a:p>
+            <a:r>
+              <a:rPr lang="de-DE" smtClean="0"/>
+              <a:t>– Intern –                         Autor/Thema der Präsentation</a:t>
+            </a:r>
+            <a:endParaRPr lang="de-DE" dirty="0"/>
+          </a:p>
+        </p:txBody>
+      </p:sp>
+      <p:sp>
+        <p:nvSpPr>
+          <p:cNvPr id="5" name="Inhaltsplatzhalter 4"/>
+          <p:cNvSpPr>
+            <a:spLocks noGrp="1"/>
+          </p:cNvSpPr>
+          <p:nvPr>
+            <p:ph sz="quarter" idx="19"/>
+          </p:nvPr>
+        </p:nvSpPr>
+        <p:spPr/>
+        <p:txBody>
+          <a:bodyPr/>
+          <a:lstStyle/>
+          <a:p>
+            <a:endParaRPr lang="de-DE"/>
+          </a:p>
+        </p:txBody>
+      </p:sp>
+      <p:sp>
+        <p:nvSpPr>
+          <p:cNvPr id="6" name="Textplatzhalter 5"/>
+          <p:cNvSpPr>
+            <a:spLocks noGrp="1"/>
+          </p:cNvSpPr>
+          <p:nvPr>
+            <p:ph type="body" sz="quarter" idx="13"/>
+          </p:nvPr>
+        </p:nvSpPr>
+        <p:spPr/>
+        <p:txBody>
+          <a:bodyPr/>
+          <a:lstStyle/>
+          <a:p>
+            <a:endParaRPr lang="de-DE"/>
+          </a:p>
+        </p:txBody>
+      </p:sp>
+      <p:sp>
+        <p:nvSpPr>
+          <p:cNvPr id="7" name="Titel 6"/>
+          <p:cNvSpPr>
+            <a:spLocks noGrp="1"/>
+          </p:cNvSpPr>
+          <p:nvPr>
+            <p:ph type="title"/>
+          </p:nvPr>
+        </p:nvSpPr>
+        <p:spPr/>
+        <p:txBody>
+          <a:bodyPr/>
+          <a:lstStyle/>
+          <a:p>
+            <a:endParaRPr lang="de-DE"/>
+          </a:p>
+        </p:txBody>
+      </p:sp>
+      <p:sp>
+        <p:nvSpPr>
+          <p:cNvPr id="8" name="Textplatzhalter 7"/>
+          <p:cNvSpPr>
+            <a:spLocks noGrp="1"/>
+          </p:cNvSpPr>
+          <p:nvPr>
+            <p:ph type="body" sz="quarter" idx="20"/>
+          </p:nvPr>
+        </p:nvSpPr>
+        <p:spPr/>
+        <p:txBody>
+          <a:bodyPr/>
+          <a:lstStyle/>
+          <a:p>
+            <a:endParaRPr lang="de-DE"/>
+          </a:p>
+        </p:txBody>
+      </p:sp>
+      <p:sp>
+        <p:nvSpPr>
+          <p:cNvPr id="9" name="Textplatzhalter 8"/>
+          <p:cNvSpPr>
+            <a:spLocks noGrp="1"/>
+          </p:cNvSpPr>
+          <p:nvPr>
+            <p:ph type="body" sz="quarter" idx="14"/>
+          </p:nvPr>
+        </p:nvSpPr>
+        <p:spPr/>
+        <p:txBody>
+          <a:bodyPr/>
+          <a:lstStyle/>
+          <a:p>
+            <a:endParaRPr lang="de-DE"/>
+          </a:p>
+        </p:txBody>
+      </p:sp>
+    </p:spTree>
+    <p:extLst>
+      <p:ext uri="{BB962C8B-B14F-4D97-AF65-F5344CB8AC3E}">
+        <p14:creationId xmlns:p14="http://schemas.microsoft.com/office/powerpoint/2010/main" val="2131747992"/>
+      </p:ext>
+    </p:extLst>
+  </p:cSld>
+  <p:clrMapOvr>
+    <a:masterClrMapping/>
+  </p:clrMapOvr>
+  <mc:AlternateContent xmlns:mc="http://schemas.openxmlformats.org/markup-compatibility/2006">
+    <mc:Choice xmlns:p14="http://schemas.microsoft.com/office/powerpoint/2010/main" Requires="p14">
+      <p:transition p14:dur="0"/>
+    </mc:Choice>
+    <mc:Fallback>
       <p:transition/>
     </mc:Fallback>
   </mc:AlternateContent>
@@ -3628,6 +3839,124 @@
 </file>
 
 <file path=customXml/item1.xml><?xml version="1.0" encoding="utf-8"?>
+<p:properties xmlns:p="http://schemas.microsoft.com/office/2006/metadata/properties" xmlns:xsi="http://www.w3.org/2001/XMLSchema-instance" xmlns:pc="http://schemas.microsoft.com/office/infopath/2007/PartnerControls">
+  <documentManagement>
+    <la953bfc63d84033916a559a8d98be4a xmlns="222fca36-b72c-4416-b6af-9e9ed73a4974">
+      <Terms xmlns="http://schemas.microsoft.com/office/infopath/2007/PartnerControls">
+        <TermInfo xmlns="http://schemas.microsoft.com/office/infopath/2007/PartnerControls">
+          <TermName xmlns="http://schemas.microsoft.com/office/infopath/2007/PartnerControls">Marketing</TermName>
+          <TermId xmlns="http://schemas.microsoft.com/office/infopath/2007/PartnerControls">9edbddb8-2e4b-4ac9-98b5-9f0c87cba86b</TermId>
+        </TermInfo>
+      </Terms>
+    </la953bfc63d84033916a559a8d98be4a>
+    <o87fbed98a9c4048a9b8a38dac14bb11 xmlns="222fca36-b72c-4416-b6af-9e9ed73a4974">
+      <Terms xmlns="http://schemas.microsoft.com/office/infopath/2007/PartnerControls">
+        <TermInfo xmlns="http://schemas.microsoft.com/office/infopath/2007/PartnerControls">
+          <TermName xmlns="http://schemas.microsoft.com/office/infopath/2007/PartnerControls">Deutsch</TermName>
+          <TermId xmlns="http://schemas.microsoft.com/office/infopath/2007/PartnerControls">331c7095-f3e9-4cf5-8f17-950770e5b16d</TermId>
+        </TermInfo>
+      </Terms>
+    </o87fbed98a9c4048a9b8a38dac14bb11>
+    <TaxCatchAll xmlns="222fca36-b72c-4416-b6af-9e9ed73a4974">
+      <Value>54</Value>
+      <Value>3</Value>
+      <Value>2</Value>
+    </TaxCatchAll>
+    <k3b5aecce6364763bd8694026bf75174 xmlns="222fca36-b72c-4416-b6af-9e9ed73a4974">
+      <Terms xmlns="http://schemas.microsoft.com/office/infopath/2007/PartnerControls">
+        <TermInfo xmlns="http://schemas.microsoft.com/office/infopath/2007/PartnerControls">
+          <TermName xmlns="http://schemas.microsoft.com/office/infopath/2007/PartnerControls">intern</TermName>
+          <TermId xmlns="http://schemas.microsoft.com/office/infopath/2007/PartnerControls">9de8da0f-7620-401e-8c7a-972aee2fcca6</TermId>
+        </TermInfo>
+      </Terms>
+    </k3b5aecce6364763bd8694026bf75174>
+    <Dokumentenbeschreibung xmlns="222fca36-b72c-4416-b6af-9e9ed73a4974" xsi:nil="true"/>
+    <Autorisierte_x0020_Bearbeiter xmlns="222fca36-b72c-4416-b6af-9e9ed73a4974">
+      <UserInfo>
+        <DisplayName/>
+        <AccountId xsi:nil="true"/>
+        <AccountType/>
+      </UserInfo>
+    </Autorisierte_x0020_Bearbeiter>
+    <n17287cc22ba42c2b5a18e1b1cd9cd21 xmlns="222fca36-b72c-4416-b6af-9e9ed73a4974">
+      <Terms xmlns="http://schemas.microsoft.com/office/infopath/2007/PartnerControls"/>
+    </n17287cc22ba42c2b5a18e1b1cd9cd21>
+    <Zentrales_x0020_Dokument xmlns="222fca36-b72c-4416-b6af-9e9ed73a4974">true</Zentrales_x0020_Dokument>
+    <Lieferant xmlns="222fca36-b72c-4416-b6af-9e9ed73a4974" xsi:nil="true"/>
+    <Referenzvereinbarung xmlns="222fca36-b72c-4416-b6af-9e9ed73a4974">nein</Referenzvereinbarung>
+    <Kunde xmlns="222fca36-b72c-4416-b6af-9e9ed73a4974" xsi:nil="true"/>
+    <ff4b811ecead4569aba5a63c616163f8 xmlns="222fca36-b72c-4416-b6af-9e9ed73a4974">
+      <Terms xmlns="http://schemas.microsoft.com/office/infopath/2007/PartnerControls"/>
+    </ff4b811ecead4569aba5a63c616163f8>
+    <cf54400b229c4d3e90757e4e6f8e0c15 xmlns="222fca36-b72c-4416-b6af-9e9ed73a4974">
+      <Terms xmlns="http://schemas.microsoft.com/office/infopath/2007/PartnerControls"/>
+    </cf54400b229c4d3e90757e4e6f8e0c15>
+    <cd808290e78f42048fcdd5b03b8e7f70 xmlns="222fca36-b72c-4416-b6af-9e9ed73a4974">
+      <Terms xmlns="http://schemas.microsoft.com/office/infopath/2007/PartnerControls"/>
+    </cd808290e78f42048fcdd5b03b8e7f70>
+    <CRM_x0020_Link xmlns="222fca36-b72c-4416-b6af-9e9ed73a4974">
+      <Url xsi:nil="true"/>
+      <Description xsi:nil="true"/>
+    </CRM_x0020_Link>
+    <n0edfcb6924140fa816f4b2075da18dc xmlns="222fca36-b72c-4416-b6af-9e9ed73a4974">
+      <Terms xmlns="http://schemas.microsoft.com/office/infopath/2007/PartnerControls"/>
+    </n0edfcb6924140fa816f4b2075da18dc>
+    <_dlc_DocId xmlns="222fca36-b72c-4416-b6af-9e9ed73a4974">MMSVORLAGEN-147141784-3890</_dlc_DocId>
+    <_dlc_DocIdUrl xmlns="222fca36-b72c-4416-b6af-9e9ed73a4974">
+      <Url>https://sharepoint.mms-at-work.de/sites/vorlagen/_layouts/15/DocIdRedir.aspx?ID=MMSVORLAGEN-147141784-3890</Url>
+      <Description>MMSVORLAGEN-147141784-3890</Description>
+    </_dlc_DocIdUrl>
+  </documentManagement>
+</p:properties>
+</file>
+
+<file path=customXml/item2.xml><?xml version="1.0" encoding="utf-8"?>
+<?mso-contentType ?>
+<spe:Receivers xmlns:spe="http://schemas.microsoft.com/sharepoint/events">
+  <Receiver>
+    <Name>Document ID Generator</Name>
+    <Synchronization>Synchronous</Synchronization>
+    <Type>10001</Type>
+    <SequenceNumber>1000</SequenceNumber>
+    <Assembly>Microsoft.Office.DocumentManagement, Version=14.0.0.0, Culture=neutral, PublicKeyToken=71e9bce111e9429c</Assembly>
+    <Class>Microsoft.Office.DocumentManagement.Internal.DocIdHandler</Class>
+    <Data/>
+    <Filter/>
+  </Receiver>
+  <Receiver>
+    <Name>Document ID Generator</Name>
+    <Synchronization>Synchronous</Synchronization>
+    <Type>10002</Type>
+    <SequenceNumber>1001</SequenceNumber>
+    <Assembly>Microsoft.Office.DocumentManagement, Version=14.0.0.0, Culture=neutral, PublicKeyToken=71e9bce111e9429c</Assembly>
+    <Class>Microsoft.Office.DocumentManagement.Internal.DocIdHandler</Class>
+    <Data/>
+    <Filter/>
+  </Receiver>
+  <Receiver>
+    <Name>Document ID Generator</Name>
+    <Synchronization>Synchronous</Synchronization>
+    <Type>10004</Type>
+    <SequenceNumber>1002</SequenceNumber>
+    <Assembly>Microsoft.Office.DocumentManagement, Version=14.0.0.0, Culture=neutral, PublicKeyToken=71e9bce111e9429c</Assembly>
+    <Class>Microsoft.Office.DocumentManagement.Internal.DocIdHandler</Class>
+    <Data/>
+    <Filter/>
+  </Receiver>
+  <Receiver>
+    <Name>Document ID Generator</Name>
+    <Synchronization>Synchronous</Synchronization>
+    <Type>10006</Type>
+    <SequenceNumber>1003</SequenceNumber>
+    <Assembly>Microsoft.Office.DocumentManagement, Version=14.0.0.0, Culture=neutral, PublicKeyToken=71e9bce111e9429c</Assembly>
+    <Class>Microsoft.Office.DocumentManagement.Internal.DocIdHandler</Class>
+    <Data/>
+    <Filter/>
+  </Receiver>
+</spe:Receivers>
+</file>
+
+<file path=customXml/item3.xml><?xml version="1.0" encoding="utf-8"?>
 <ct:contentTypeSchema xmlns:ct="http://schemas.microsoft.com/office/2006/metadata/contentType" xmlns:ma="http://schemas.microsoft.com/office/2006/metadata/properties/metaAttributes" ct:_="" ma:_="" ma:contentTypeName="Marketing und Sales Dokumente" ma:contentTypeID="0x0101009A6327AA6A04D144B7DF3047913CED01001AAAC3D7F624114C8818C48B5F5968C9" ma:contentTypeVersion="6" ma:contentTypeDescription="" ma:contentTypeScope="" ma:versionID="676976ac817886382d58f53e84f17356">
   <xsd:schema xmlns:xsd="http://www.w3.org/2001/XMLSchema" xmlns:xs="http://www.w3.org/2001/XMLSchema" xmlns:p="http://schemas.microsoft.com/office/2006/metadata/properties" xmlns:ns2="222fca36-b72c-4416-b6af-9e9ed73a4974" targetNamespace="http://schemas.microsoft.com/office/2006/metadata/properties" ma:root="true" ma:fieldsID="ddcb3d55a8780c6dfe4f354b45537d00" ns2:_="">
     <xsd:import namespace="222fca36-b72c-4416-b6af-9e9ed73a4974"/>
@@ -3932,124 +4261,6 @@
 </ct:contentTypeSchema>
 </file>
 
-<file path=customXml/item2.xml><?xml version="1.0" encoding="utf-8"?>
-<?mso-contentType ?>
-<spe:Receivers xmlns:spe="http://schemas.microsoft.com/sharepoint/events">
-  <Receiver>
-    <Name>Document ID Generator</Name>
-    <Synchronization>Synchronous</Synchronization>
-    <Type>10001</Type>
-    <SequenceNumber>1000</SequenceNumber>
-    <Assembly>Microsoft.Office.DocumentManagement, Version=14.0.0.0, Culture=neutral, PublicKeyToken=71e9bce111e9429c</Assembly>
-    <Class>Microsoft.Office.DocumentManagement.Internal.DocIdHandler</Class>
-    <Data/>
-    <Filter/>
-  </Receiver>
-  <Receiver>
-    <Name>Document ID Generator</Name>
-    <Synchronization>Synchronous</Synchronization>
-    <Type>10002</Type>
-    <SequenceNumber>1001</SequenceNumber>
-    <Assembly>Microsoft.Office.DocumentManagement, Version=14.0.0.0, Culture=neutral, PublicKeyToken=71e9bce111e9429c</Assembly>
-    <Class>Microsoft.Office.DocumentManagement.Internal.DocIdHandler</Class>
-    <Data/>
-    <Filter/>
-  </Receiver>
-  <Receiver>
-    <Name>Document ID Generator</Name>
-    <Synchronization>Synchronous</Synchronization>
-    <Type>10004</Type>
-    <SequenceNumber>1002</SequenceNumber>
-    <Assembly>Microsoft.Office.DocumentManagement, Version=14.0.0.0, Culture=neutral, PublicKeyToken=71e9bce111e9429c</Assembly>
-    <Class>Microsoft.Office.DocumentManagement.Internal.DocIdHandler</Class>
-    <Data/>
-    <Filter/>
-  </Receiver>
-  <Receiver>
-    <Name>Document ID Generator</Name>
-    <Synchronization>Synchronous</Synchronization>
-    <Type>10006</Type>
-    <SequenceNumber>1003</SequenceNumber>
-    <Assembly>Microsoft.Office.DocumentManagement, Version=14.0.0.0, Culture=neutral, PublicKeyToken=71e9bce111e9429c</Assembly>
-    <Class>Microsoft.Office.DocumentManagement.Internal.DocIdHandler</Class>
-    <Data/>
-    <Filter/>
-  </Receiver>
-</spe:Receivers>
-</file>
-
-<file path=customXml/item3.xml><?xml version="1.0" encoding="utf-8"?>
-<p:properties xmlns:p="http://schemas.microsoft.com/office/2006/metadata/properties" xmlns:xsi="http://www.w3.org/2001/XMLSchema-instance" xmlns:pc="http://schemas.microsoft.com/office/infopath/2007/PartnerControls">
-  <documentManagement>
-    <la953bfc63d84033916a559a8d98be4a xmlns="222fca36-b72c-4416-b6af-9e9ed73a4974">
-      <Terms xmlns="http://schemas.microsoft.com/office/infopath/2007/PartnerControls">
-        <TermInfo xmlns="http://schemas.microsoft.com/office/infopath/2007/PartnerControls">
-          <TermName xmlns="http://schemas.microsoft.com/office/infopath/2007/PartnerControls">Marketing</TermName>
-          <TermId xmlns="http://schemas.microsoft.com/office/infopath/2007/PartnerControls">9edbddb8-2e4b-4ac9-98b5-9f0c87cba86b</TermId>
-        </TermInfo>
-      </Terms>
-    </la953bfc63d84033916a559a8d98be4a>
-    <o87fbed98a9c4048a9b8a38dac14bb11 xmlns="222fca36-b72c-4416-b6af-9e9ed73a4974">
-      <Terms xmlns="http://schemas.microsoft.com/office/infopath/2007/PartnerControls">
-        <TermInfo xmlns="http://schemas.microsoft.com/office/infopath/2007/PartnerControls">
-          <TermName xmlns="http://schemas.microsoft.com/office/infopath/2007/PartnerControls">Deutsch</TermName>
-          <TermId xmlns="http://schemas.microsoft.com/office/infopath/2007/PartnerControls">331c7095-f3e9-4cf5-8f17-950770e5b16d</TermId>
-        </TermInfo>
-      </Terms>
-    </o87fbed98a9c4048a9b8a38dac14bb11>
-    <TaxCatchAll xmlns="222fca36-b72c-4416-b6af-9e9ed73a4974">
-      <Value>54</Value>
-      <Value>3</Value>
-      <Value>2</Value>
-    </TaxCatchAll>
-    <k3b5aecce6364763bd8694026bf75174 xmlns="222fca36-b72c-4416-b6af-9e9ed73a4974">
-      <Terms xmlns="http://schemas.microsoft.com/office/infopath/2007/PartnerControls">
-        <TermInfo xmlns="http://schemas.microsoft.com/office/infopath/2007/PartnerControls">
-          <TermName xmlns="http://schemas.microsoft.com/office/infopath/2007/PartnerControls">intern</TermName>
-          <TermId xmlns="http://schemas.microsoft.com/office/infopath/2007/PartnerControls">9de8da0f-7620-401e-8c7a-972aee2fcca6</TermId>
-        </TermInfo>
-      </Terms>
-    </k3b5aecce6364763bd8694026bf75174>
-    <Dokumentenbeschreibung xmlns="222fca36-b72c-4416-b6af-9e9ed73a4974" xsi:nil="true"/>
-    <Autorisierte_x0020_Bearbeiter xmlns="222fca36-b72c-4416-b6af-9e9ed73a4974">
-      <UserInfo>
-        <DisplayName/>
-        <AccountId xsi:nil="true"/>
-        <AccountType/>
-      </UserInfo>
-    </Autorisierte_x0020_Bearbeiter>
-    <n17287cc22ba42c2b5a18e1b1cd9cd21 xmlns="222fca36-b72c-4416-b6af-9e9ed73a4974">
-      <Terms xmlns="http://schemas.microsoft.com/office/infopath/2007/PartnerControls"/>
-    </n17287cc22ba42c2b5a18e1b1cd9cd21>
-    <Zentrales_x0020_Dokument xmlns="222fca36-b72c-4416-b6af-9e9ed73a4974">true</Zentrales_x0020_Dokument>
-    <Lieferant xmlns="222fca36-b72c-4416-b6af-9e9ed73a4974" xsi:nil="true"/>
-    <Referenzvereinbarung xmlns="222fca36-b72c-4416-b6af-9e9ed73a4974">nein</Referenzvereinbarung>
-    <Kunde xmlns="222fca36-b72c-4416-b6af-9e9ed73a4974" xsi:nil="true"/>
-    <ff4b811ecead4569aba5a63c616163f8 xmlns="222fca36-b72c-4416-b6af-9e9ed73a4974">
-      <Terms xmlns="http://schemas.microsoft.com/office/infopath/2007/PartnerControls"/>
-    </ff4b811ecead4569aba5a63c616163f8>
-    <cf54400b229c4d3e90757e4e6f8e0c15 xmlns="222fca36-b72c-4416-b6af-9e9ed73a4974">
-      <Terms xmlns="http://schemas.microsoft.com/office/infopath/2007/PartnerControls"/>
-    </cf54400b229c4d3e90757e4e6f8e0c15>
-    <cd808290e78f42048fcdd5b03b8e7f70 xmlns="222fca36-b72c-4416-b6af-9e9ed73a4974">
-      <Terms xmlns="http://schemas.microsoft.com/office/infopath/2007/PartnerControls"/>
-    </cd808290e78f42048fcdd5b03b8e7f70>
-    <CRM_x0020_Link xmlns="222fca36-b72c-4416-b6af-9e9ed73a4974">
-      <Url xsi:nil="true"/>
-      <Description xsi:nil="true"/>
-    </CRM_x0020_Link>
-    <n0edfcb6924140fa816f4b2075da18dc xmlns="222fca36-b72c-4416-b6af-9e9ed73a4974">
-      <Terms xmlns="http://schemas.microsoft.com/office/infopath/2007/PartnerControls"/>
-    </n0edfcb6924140fa816f4b2075da18dc>
-    <_dlc_DocId xmlns="222fca36-b72c-4416-b6af-9e9ed73a4974">MMSVORLAGEN-147141784-3890</_dlc_DocId>
-    <_dlc_DocIdUrl xmlns="222fca36-b72c-4416-b6af-9e9ed73a4974">
-      <Url>https://sharepoint.mms-at-work.de/sites/vorlagen/_layouts/15/DocIdRedir.aspx?ID=MMSVORLAGEN-147141784-3890</Url>
-      <Description>MMSVORLAGEN-147141784-3890</Description>
-    </_dlc_DocIdUrl>
-  </documentManagement>
-</p:properties>
-</file>
-
 <file path=customXml/item4.xml><?xml version="1.0" encoding="utf-8"?>
 <?mso-contentType ?>
 <FormTemplates xmlns="http://schemas.microsoft.com/sharepoint/v3/contenttype/forms">
@@ -4060,6 +4271,31 @@
 </file>
 
 <file path=customXml/itemProps1.xml><?xml version="1.0" encoding="utf-8"?>
+<ds:datastoreItem xmlns:ds="http://schemas.openxmlformats.org/officeDocument/2006/customXml" ds:itemID="{65FBECAA-707B-4222-9694-DD74669806E0}">
+  <ds:schemaRefs>
+    <ds:schemaRef ds:uri="http://schemas.microsoft.com/office/2006/documentManagement/types"/>
+    <ds:schemaRef ds:uri="http://schemas.microsoft.com/office/infopath/2007/PartnerControls"/>
+    <ds:schemaRef ds:uri="http://purl.org/dc/terms/"/>
+    <ds:schemaRef ds:uri="222fca36-b72c-4416-b6af-9e9ed73a4974"/>
+    <ds:schemaRef ds:uri="http://schemas.microsoft.com/office/2006/metadata/properties"/>
+    <ds:schemaRef ds:uri="http://purl.org/dc/dcmitype/"/>
+    <ds:schemaRef ds:uri="http://schemas.microsoft.com/sharepoint/v3"/>
+    <ds:schemaRef ds:uri="http://purl.org/dc/elements/1.1/"/>
+    <ds:schemaRef ds:uri="http://schemas.openxmlformats.org/package/2006/metadata/core-properties"/>
+    <ds:schemaRef ds:uri="http://www.w3.org/XML/1998/namespace"/>
+  </ds:schemaRefs>
+</ds:datastoreItem>
+</file>
+
+<file path=customXml/itemProps2.xml><?xml version="1.0" encoding="utf-8"?>
+<ds:datastoreItem xmlns:ds="http://schemas.openxmlformats.org/officeDocument/2006/customXml" ds:itemID="{60E32428-C73C-44B2-BCCD-3A1BB5D9955F}">
+  <ds:schemaRefs>
+    <ds:schemaRef ds:uri="http://schemas.microsoft.com/sharepoint/events"/>
+  </ds:schemaRefs>
+</ds:datastoreItem>
+</file>
+
+<file path=customXml/itemProps3.xml><?xml version="1.0" encoding="utf-8"?>
 <ds:datastoreItem xmlns:ds="http://schemas.openxmlformats.org/officeDocument/2006/customXml" ds:itemID="{74C6D775-986B-4C61-9506-7DB057971455}">
   <ds:schemaRefs>
     <ds:schemaRef ds:uri="http://schemas.microsoft.com/office/2006/metadata/contentType"/>
@@ -4077,31 +4313,6 @@
 </ds:datastoreItem>
 </file>
 
-<file path=customXml/itemProps2.xml><?xml version="1.0" encoding="utf-8"?>
-<ds:datastoreItem xmlns:ds="http://schemas.openxmlformats.org/officeDocument/2006/customXml" ds:itemID="{60E32428-C73C-44B2-BCCD-3A1BB5D9955F}">
-  <ds:schemaRefs>
-    <ds:schemaRef ds:uri="http://schemas.microsoft.com/sharepoint/events"/>
-  </ds:schemaRefs>
-</ds:datastoreItem>
-</file>
-
-<file path=customXml/itemProps3.xml><?xml version="1.0" encoding="utf-8"?>
-<ds:datastoreItem xmlns:ds="http://schemas.openxmlformats.org/officeDocument/2006/customXml" ds:itemID="{65FBECAA-707B-4222-9694-DD74669806E0}">
-  <ds:schemaRefs>
-    <ds:schemaRef ds:uri="http://schemas.microsoft.com/office/2006/documentManagement/types"/>
-    <ds:schemaRef ds:uri="http://schemas.microsoft.com/office/infopath/2007/PartnerControls"/>
-    <ds:schemaRef ds:uri="http://purl.org/dc/terms/"/>
-    <ds:schemaRef ds:uri="222fca36-b72c-4416-b6af-9e9ed73a4974"/>
-    <ds:schemaRef ds:uri="http://schemas.microsoft.com/office/2006/metadata/properties"/>
-    <ds:schemaRef ds:uri="http://purl.org/dc/dcmitype/"/>
-    <ds:schemaRef ds:uri="http://schemas.microsoft.com/sharepoint/v3"/>
-    <ds:schemaRef ds:uri="http://purl.org/dc/elements/1.1/"/>
-    <ds:schemaRef ds:uri="http://schemas.openxmlformats.org/package/2006/metadata/core-properties"/>
-    <ds:schemaRef ds:uri="http://www.w3.org/XML/1998/namespace"/>
-  </ds:schemaRefs>
-</ds:datastoreItem>
-</file>
-
 <file path=customXml/itemProps4.xml><?xml version="1.0" encoding="utf-8"?>
 <ds:datastoreItem xmlns:ds="http://schemas.openxmlformats.org/officeDocument/2006/customXml" ds:itemID="{54578220-B5E9-4E4B-A2D5-686CD36EC772}">
   <ds:schemaRefs>
